--- a/PowerPoints/01 - Overview of Compilers.pptx
+++ b/PowerPoints/01 - Overview of Compilers.pptx
@@ -7509,8 +7509,13 @@
             <a:pPr lvl="2"/>
             <a:r>
               <a:rPr lang="en-US" dirty="0"/>
-              <a:t>can also run batch files</a:t>
+              <a:t>can also run command files (</a:t>
             </a:r>
+            <a:r>
+              <a:rPr lang="en-US"/>
+              <a:t>a.k.a., batch files)</a:t>
+            </a:r>
+            <a:endParaRPr lang="en-US" dirty="0"/>
           </a:p>
           <a:p>
             <a:r>
@@ -48323,7 +48328,7 @@
           <a:p>
             <a:r>
               <a:rPr lang="en-US" dirty="0"/>
-              <a:t>Testing/Re-engineering tools</a:t>
+              <a:t>Testing/Reverse-engineering tools</a:t>
             </a:r>
           </a:p>
           <a:p>

--- a/PowerPoints/01 - Overview of Compilers.pptx
+++ b/PowerPoints/01 - Overview of Compilers.pptx
@@ -28248,8 +28248,8 @@
             </p:nvSpPr>
             <p:spPr bwMode="auto">
               <a:xfrm>
-                <a:off x="1601" y="3479"/>
-                <a:ext cx="447" cy="204"/>
+                <a:off x="1611" y="3479"/>
+                <a:ext cx="427" cy="204"/>
               </a:xfrm>
               <a:prstGeom prst="rect">
                 <a:avLst/>
@@ -28270,7 +28270,7 @@
               <a:p>
                 <a:r>
                   <a:rPr lang="en-US" sz="1500" dirty="0"/>
-                  <a:t>X86/A</a:t>
+                  <a:t>x86/A</a:t>
                 </a:r>
               </a:p>
             </p:txBody>
@@ -28743,8 +28743,8 @@
             </p:nvSpPr>
             <p:spPr bwMode="auto">
               <a:xfrm>
-                <a:off x="672" y="2557"/>
-                <a:ext cx="822" cy="204"/>
+                <a:off x="682" y="2557"/>
+                <a:ext cx="802" cy="204"/>
               </a:xfrm>
               <a:prstGeom prst="rect">
                 <a:avLst/>
@@ -28765,7 +28765,7 @@
               <a:p>
                 <a:r>
                   <a:rPr lang="en-US" sz="1500" dirty="0"/>
-                  <a:t>X86/A </a:t>
+                  <a:t>x86/A </a:t>
                 </a:r>
                 <a:r>
                   <a:rPr lang="en-US" sz="1500" dirty="0">
